--- a/3Q2018/Q3季度汇报/fengjiao-Deepbule.pptx
+++ b/3Q2018/Q3季度汇报/fengjiao-Deepbule.pptx
@@ -122,6 +122,9 @@
   <p:extLst>
     <p:ext uri="{EFAFB233-063F-42B5-8137-9DF3F51BA10A}">
       <p15:sldGuideLst xmlns:p15="http://schemas.microsoft.com/office/powerpoint/2012/main"/>
+    </p:ext>
+    <p:ext uri="{2D200454-40CA-4A62-9FC3-DE9A4176ACB9}">
+      <p15:notesGuideLst xmlns:p15="http://schemas.microsoft.com/office/powerpoint/2012/main"/>
     </p:ext>
   </p:extLst>
 </p:presentation>
@@ -4860,17 +4863,6 @@
               </a:spcBef>
             </a:pPr>
             <a:r>
-              <a:rPr lang="zh-CN" altLang="en-US" sz="6600" spc="600" dirty="0">
-                <a:solidFill>
-                  <a:prstClr val="white"/>
-                </a:solidFill>
-                <a:latin typeface="微软雅黑" panose="020B0503020204020204" pitchFamily="34" charset="-122"/>
-                <a:ea typeface="微软雅黑" panose="020B0503020204020204" pitchFamily="34" charset="-122"/>
-                <a:cs typeface="Meiryo" panose="020B0604030504040204" pitchFamily="34" charset="-128"/>
-              </a:rPr>
-              <a:t>恶意文件</a:t>
-            </a:r>
-            <a:r>
               <a:rPr lang="zh-CN" altLang="en-US" sz="6600" spc="600" dirty="0" smtClean="0">
                 <a:solidFill>
                   <a:prstClr val="white"/>
@@ -4879,7 +4871,7 @@
                 <a:ea typeface="微软雅黑" panose="020B0503020204020204" pitchFamily="34" charset="-122"/>
                 <a:cs typeface="Meiryo" panose="020B0604030504040204" pitchFamily="34" charset="-128"/>
               </a:rPr>
-              <a:t>检测</a:t>
+              <a:t>恶意文档检测</a:t>
             </a:r>
             <a:r>
               <a:rPr lang="en-US" altLang="zh-CN" sz="6600" spc="600" dirty="0" smtClean="0">
@@ -5011,12 +5003,12 @@
               <a:t>月</a:t>
             </a:r>
             <a:r>
-              <a:rPr lang="en-US" altLang="zh-CN" sz="2400" dirty="0" smtClean="0">
+              <a:rPr lang="en-US" altLang="zh-CN" sz="2400" dirty="0">
                 <a:solidFill>
                   <a:schemeClr val="bg1"/>
                 </a:solidFill>
               </a:rPr>
-              <a:t>5</a:t>
+              <a:t>9</a:t>
             </a:r>
             <a:r>
               <a:rPr lang="zh-CN" altLang="en-US" sz="2400" dirty="0" smtClean="0">
@@ -7727,11 +7719,6 @@
               </a:rPr>
               <a:t>恶意文件检测在学术界中的研究</a:t>
             </a:r>
-            <a:endParaRPr lang="zh-CN" altLang="en-US" dirty="0">
-              <a:solidFill>
-                <a:schemeClr val="bg1"/>
-              </a:solidFill>
-            </a:endParaRPr>
           </a:p>
         </p:txBody>
       </p:sp>
@@ -11034,7 +11021,12 @@
             <p:ph type="title"/>
           </p:nvPr>
         </p:nvSpPr>
-        <p:spPr/>
+        <p:spPr>
+          <a:xfrm>
+            <a:off x="838200" y="365125"/>
+            <a:ext cx="10515600" cy="1325563"/>
+          </a:xfrm>
+        </p:spPr>
         <p:txBody>
           <a:bodyPr/>
           <a:lstStyle/>
@@ -11092,7 +11084,7 @@
         </p:blipFill>
         <p:spPr>
           <a:xfrm>
-            <a:off x="838200" y="1825624"/>
+            <a:off x="838200" y="1825625"/>
             <a:ext cx="10643151" cy="4215411"/>
           </a:xfrm>
           <a:prstGeom prst="rect">
@@ -11176,12 +11168,12 @@
               <a:t>AI</a:t>
             </a:r>
             <a:r>
-              <a:rPr lang="zh-CN" altLang="en-US" dirty="0">
+              <a:rPr lang="zh-CN" altLang="en-US" dirty="0" smtClean="0">
                 <a:solidFill>
                   <a:schemeClr val="bg1"/>
                 </a:solidFill>
               </a:rPr>
-              <a:t>模型解决的问题</a:t>
+              <a:t>模型好不好</a:t>
             </a:r>
             <a:endParaRPr lang="zh-CN" altLang="en-US" dirty="0">
               <a:solidFill>
@@ -11625,12 +11617,12 @@
               <a:t>AI</a:t>
             </a:r>
             <a:r>
-              <a:rPr lang="zh-CN" altLang="en-US" dirty="0">
+              <a:rPr lang="zh-CN" altLang="en-US" dirty="0" smtClean="0">
                 <a:solidFill>
                   <a:schemeClr val="bg1"/>
                 </a:solidFill>
               </a:rPr>
-              <a:t>模型遇到的问题</a:t>
+              <a:t>模型</a:t>
             </a:r>
             <a:endParaRPr lang="zh-CN" altLang="en-US" dirty="0">
               <a:solidFill>
@@ -11869,14 +11861,14 @@
           <p:nvPr>
             <p:extLst>
               <p:ext uri="{D42A27DB-BD31-4B8C-83A1-F6EECF244321}">
-                <p14:modId xmlns:p14="http://schemas.microsoft.com/office/powerpoint/2010/main" val="3654519768"/>
+                <p14:modId xmlns:p14="http://schemas.microsoft.com/office/powerpoint/2010/main" val="1172791945"/>
               </p:ext>
             </p:extLst>
           </p:nvPr>
         </p:nvGraphicFramePr>
         <p:xfrm>
           <a:off x="6009197" y="1672045"/>
-          <a:ext cx="3648609" cy="4187020"/>
+          <a:ext cx="4792152" cy="4004139"/>
         </p:xfrm>
         <a:graphic>
           <a:graphicData uri="http://schemas.openxmlformats.org/drawingml/2006/table">
@@ -11885,9 +11877,9 @@
                 <a:tableStyleId>{3C2FFA5D-87B4-456A-9821-1D502468CF0F}</a:tableStyleId>
               </a:tblPr>
               <a:tblGrid>
-                <a:gridCol w="1216203"/>
-                <a:gridCol w="1216203"/>
-                <a:gridCol w="1216203"/>
+                <a:gridCol w="1597384"/>
+                <a:gridCol w="1597384"/>
+                <a:gridCol w="1597384"/>
               </a:tblGrid>
               <a:tr h="914399">
                 <a:tc>
@@ -12346,8 +12338,8 @@
         </p:nvSpPr>
         <p:spPr>
           <a:xfrm>
-            <a:off x="8443812" y="3335381"/>
-            <a:ext cx="1283661" cy="827315"/>
+            <a:off x="9329637" y="3271962"/>
+            <a:ext cx="1283661" cy="890858"/>
           </a:xfrm>
           <a:prstGeom prst="ellipse">
             <a:avLst/>
@@ -12932,8 +12924,8 @@
         </p:nvSpPr>
         <p:spPr>
           <a:xfrm>
-            <a:off x="3277976" y="4197176"/>
-            <a:ext cx="2359446" cy="1022908"/>
+            <a:off x="2559683" y="4218636"/>
+            <a:ext cx="3112455" cy="1022908"/>
           </a:xfrm>
           <a:prstGeom prst="bracketPair">
             <a:avLst/>
@@ -12981,8 +12973,8 @@
         </p:nvSpPr>
         <p:spPr bwMode="auto">
           <a:xfrm>
-            <a:off x="3586628" y="4593998"/>
-            <a:ext cx="1914285" cy="553998"/>
+            <a:off x="2602875" y="4707204"/>
+            <a:ext cx="3344072" cy="323165"/>
           </a:xfrm>
           <a:prstGeom prst="rect">
             <a:avLst/>
@@ -13016,10 +13008,32 @@
           </a:lstStyle>
           <a:p>
             <a:r>
-              <a:rPr lang="en-US" altLang="zh-CN" sz="1600" dirty="0" smtClean="0"/>
-              <a:t>SOLVE Parser-confusion attacks</a:t>
-            </a:r>
-            <a:endParaRPr lang="zh-CN" altLang="en-US" sz="1600" dirty="0"/>
+              <a:rPr lang="en-US" altLang="zh-CN" sz="1800" dirty="0" smtClean="0">
+                <a:latin typeface="+mn-lt"/>
+              </a:rPr>
+              <a:t>SOLVE</a:t>
+            </a:r>
+            <a:r>
+              <a:rPr lang="zh-CN" altLang="en-US" sz="1800" dirty="0" smtClean="0">
+                <a:latin typeface="+mn-lt"/>
+              </a:rPr>
+              <a:t> </a:t>
+            </a:r>
+            <a:r>
+              <a:rPr lang="en-US" altLang="zh-CN" sz="1800" dirty="0" smtClean="0">
+                <a:latin typeface="+mn-lt"/>
+              </a:rPr>
+              <a:t>Parser-confusion </a:t>
+            </a:r>
+            <a:r>
+              <a:rPr lang="en-US" altLang="zh-CN" sz="1800" dirty="0" smtClean="0">
+                <a:latin typeface="+mn-lt"/>
+              </a:rPr>
+              <a:t>attacks</a:t>
+            </a:r>
+            <a:endParaRPr lang="zh-CN" altLang="en-US" sz="1800" dirty="0">
+              <a:latin typeface="+mn-lt"/>
+            </a:endParaRPr>
           </a:p>
         </p:txBody>
       </p:sp>
@@ -13031,7 +13045,7 @@
         </p:nvSpPr>
         <p:spPr>
           <a:xfrm>
-            <a:off x="3586628" y="4204984"/>
+            <a:off x="2578113" y="4333568"/>
             <a:ext cx="1914286" cy="369332"/>
           </a:xfrm>
           <a:prstGeom prst="rect">
@@ -13054,7 +13068,7 @@
               <a:buSzPct val="105000"/>
             </a:pPr>
             <a:r>
-              <a:rPr lang="en-US" altLang="zh-CN" b="1" dirty="0" smtClean="0">
+              <a:rPr lang="en-US" altLang="zh-CN" dirty="0" smtClean="0">
                 <a:solidFill>
                   <a:schemeClr val="bg1"/>
                 </a:solidFill>
@@ -13062,7 +13076,7 @@
               </a:rPr>
               <a:t>BY Robust Parser</a:t>
             </a:r>
-            <a:endParaRPr lang="zh-CN" altLang="en-US" b="1" dirty="0">
+            <a:endParaRPr lang="zh-CN" altLang="en-US" dirty="0">
               <a:solidFill>
                 <a:schemeClr val="bg1"/>
               </a:solidFill>
@@ -13079,8 +13093,8 @@
         </p:nvSpPr>
         <p:spPr>
           <a:xfrm>
-            <a:off x="6737364" y="4142768"/>
-            <a:ext cx="2359446" cy="1022908"/>
+            <a:off x="6386513" y="4142768"/>
+            <a:ext cx="3157537" cy="1022908"/>
           </a:xfrm>
           <a:prstGeom prst="bracketPair">
             <a:avLst/>
@@ -13128,8 +13142,8 @@
         </p:nvSpPr>
         <p:spPr bwMode="auto">
           <a:xfrm>
-            <a:off x="7046017" y="4539590"/>
-            <a:ext cx="1742142" cy="784830"/>
+            <a:off x="6405563" y="4549959"/>
+            <a:ext cx="3217961" cy="553998"/>
           </a:xfrm>
           <a:prstGeom prst="rect">
             <a:avLst/>
@@ -13164,7 +13178,19 @@
           <a:p>
             <a:r>
               <a:rPr lang="en-US" altLang="zh-CN" sz="1600" dirty="0" smtClean="0"/>
-              <a:t>SOLVE  Model evasion attacks,</a:t>
+              <a:t>SOLVE</a:t>
+            </a:r>
+            <a:r>
+              <a:rPr lang="zh-CN" altLang="en-US" sz="1600" dirty="0" smtClean="0"/>
+              <a:t> </a:t>
+            </a:r>
+            <a:r>
+              <a:rPr lang="en-US" altLang="zh-CN" sz="1600" dirty="0" smtClean="0"/>
+              <a:t>Model </a:t>
+            </a:r>
+            <a:r>
+              <a:rPr lang="en-US" altLang="zh-CN" sz="1600" dirty="0" smtClean="0"/>
+              <a:t>evasion attacks,</a:t>
             </a:r>
           </a:p>
           <a:p>
@@ -13184,7 +13210,7 @@
         </p:nvSpPr>
         <p:spPr>
           <a:xfrm>
-            <a:off x="7046016" y="4150576"/>
+            <a:off x="6526114" y="4151941"/>
             <a:ext cx="2050794" cy="369332"/>
           </a:xfrm>
           <a:prstGeom prst="rect">
@@ -13207,7 +13233,7 @@
               <a:buSzPct val="105000"/>
             </a:pPr>
             <a:r>
-              <a:rPr lang="en-US" altLang="zh-CN" b="1" dirty="0" smtClean="0">
+              <a:rPr lang="en-US" altLang="zh-CN" dirty="0" smtClean="0">
                 <a:solidFill>
                   <a:schemeClr val="bg1"/>
                 </a:solidFill>
@@ -13215,7 +13241,7 @@
               </a:rPr>
               <a:t>BY Robust Model</a:t>
             </a:r>
-            <a:endParaRPr lang="zh-CN" altLang="en-US" b="1" dirty="0">
+            <a:endParaRPr lang="zh-CN" altLang="en-US" dirty="0">
               <a:solidFill>
                 <a:schemeClr val="bg1"/>
               </a:solidFill>
@@ -14484,27 +14510,7 @@
                 <a:latin typeface="Times New Roman" panose="02020603050405020304" pitchFamily="18" charset="0"/>
                 <a:cs typeface="Times New Roman" panose="02020603050405020304" pitchFamily="18" charset="0"/>
               </a:rPr>
-              <a:t> (</a:t>
-            </a:r>
-            <a:r>
-              <a:rPr lang="zh-CN" altLang="en-US" sz="3200" kern="100" dirty="0">
-                <a:solidFill>
-                  <a:schemeClr val="bg1"/>
-                </a:solidFill>
-                <a:latin typeface="Times New Roman" panose="02020603050405020304" pitchFamily="18" charset="0"/>
-                <a:cs typeface="Times New Roman" panose="02020603050405020304" pitchFamily="18" charset="0"/>
-              </a:rPr>
-              <a:t>如下图</a:t>
-            </a:r>
-            <a:r>
-              <a:rPr lang="en-US" altLang="zh-CN" sz="3200" kern="100" dirty="0">
-                <a:solidFill>
-                  <a:schemeClr val="bg1"/>
-                </a:solidFill>
-                <a:latin typeface="Times New Roman" panose="02020603050405020304" pitchFamily="18" charset="0"/>
-                <a:cs typeface="Times New Roman" panose="02020603050405020304" pitchFamily="18" charset="0"/>
-              </a:rPr>
-              <a:t>)</a:t>
+              <a:t> </a:t>
             </a:r>
           </a:p>
           <a:p>

--- a/3Q2018/Q3季度汇报/fengjiao-Deepbule.pptx
+++ b/3Q2018/Q3季度汇报/fengjiao-Deepbule.pptx
@@ -212,7 +212,7 @@
           <a:p>
             <a:fld id="{4FA05820-9E25-4947-B468-FB4DD7D479E2}" type="datetimeFigureOut">
               <a:rPr lang="zh-CN" altLang="en-US" smtClean="0"/>
-              <a:t>2018/8/9</a:t>
+              <a:t>2018/8/13</a:t>
             </a:fld>
             <a:endParaRPr lang="zh-CN" altLang="en-US"/>
           </a:p>
@@ -2092,7 +2092,7 @@
           <a:p>
             <a:fld id="{A5997C19-7F28-4E4C-8326-25A240C491A9}" type="datetimeFigureOut">
               <a:rPr lang="zh-CN" altLang="en-US" smtClean="0"/>
-              <a:t>2018/8/9</a:t>
+              <a:t>2018/8/13</a:t>
             </a:fld>
             <a:endParaRPr lang="zh-CN" altLang="en-US"/>
           </a:p>
@@ -2262,7 +2262,7 @@
           <a:p>
             <a:fld id="{A5997C19-7F28-4E4C-8326-25A240C491A9}" type="datetimeFigureOut">
               <a:rPr lang="zh-CN" altLang="en-US" smtClean="0"/>
-              <a:t>2018/8/9</a:t>
+              <a:t>2018/8/13</a:t>
             </a:fld>
             <a:endParaRPr lang="zh-CN" altLang="en-US"/>
           </a:p>
@@ -2442,7 +2442,7 @@
           <a:p>
             <a:fld id="{A5997C19-7F28-4E4C-8326-25A240C491A9}" type="datetimeFigureOut">
               <a:rPr lang="zh-CN" altLang="en-US" smtClean="0"/>
-              <a:t>2018/8/9</a:t>
+              <a:t>2018/8/13</a:t>
             </a:fld>
             <a:endParaRPr lang="zh-CN" altLang="en-US"/>
           </a:p>
@@ -2612,7 +2612,7 @@
           <a:p>
             <a:fld id="{A5997C19-7F28-4E4C-8326-25A240C491A9}" type="datetimeFigureOut">
               <a:rPr lang="zh-CN" altLang="en-US" smtClean="0"/>
-              <a:t>2018/8/9</a:t>
+              <a:t>2018/8/13</a:t>
             </a:fld>
             <a:endParaRPr lang="zh-CN" altLang="en-US"/>
           </a:p>
@@ -2858,7 +2858,7 @@
           <a:p>
             <a:fld id="{A5997C19-7F28-4E4C-8326-25A240C491A9}" type="datetimeFigureOut">
               <a:rPr lang="zh-CN" altLang="en-US" smtClean="0"/>
-              <a:t>2018/8/9</a:t>
+              <a:t>2018/8/13</a:t>
             </a:fld>
             <a:endParaRPr lang="zh-CN" altLang="en-US"/>
           </a:p>
@@ -3090,7 +3090,7 @@
           <a:p>
             <a:fld id="{A5997C19-7F28-4E4C-8326-25A240C491A9}" type="datetimeFigureOut">
               <a:rPr lang="zh-CN" altLang="en-US" smtClean="0"/>
-              <a:t>2018/8/9</a:t>
+              <a:t>2018/8/13</a:t>
             </a:fld>
             <a:endParaRPr lang="zh-CN" altLang="en-US"/>
           </a:p>
@@ -3457,7 +3457,7 @@
           <a:p>
             <a:fld id="{A5997C19-7F28-4E4C-8326-25A240C491A9}" type="datetimeFigureOut">
               <a:rPr lang="zh-CN" altLang="en-US" smtClean="0"/>
-              <a:t>2018/8/9</a:t>
+              <a:t>2018/8/13</a:t>
             </a:fld>
             <a:endParaRPr lang="zh-CN" altLang="en-US"/>
           </a:p>
@@ -3575,7 +3575,7 @@
           <a:p>
             <a:fld id="{A5997C19-7F28-4E4C-8326-25A240C491A9}" type="datetimeFigureOut">
               <a:rPr lang="zh-CN" altLang="en-US" smtClean="0"/>
-              <a:t>2018/8/9</a:t>
+              <a:t>2018/8/13</a:t>
             </a:fld>
             <a:endParaRPr lang="zh-CN" altLang="en-US"/>
           </a:p>
@@ -3670,7 +3670,7 @@
           <a:p>
             <a:fld id="{A5997C19-7F28-4E4C-8326-25A240C491A9}" type="datetimeFigureOut">
               <a:rPr lang="zh-CN" altLang="en-US" smtClean="0"/>
-              <a:t>2018/8/9</a:t>
+              <a:t>2018/8/13</a:t>
             </a:fld>
             <a:endParaRPr lang="zh-CN" altLang="en-US"/>
           </a:p>
@@ -3947,7 +3947,7 @@
           <a:p>
             <a:fld id="{A5997C19-7F28-4E4C-8326-25A240C491A9}" type="datetimeFigureOut">
               <a:rPr lang="zh-CN" altLang="en-US" smtClean="0"/>
-              <a:t>2018/8/9</a:t>
+              <a:t>2018/8/13</a:t>
             </a:fld>
             <a:endParaRPr lang="zh-CN" altLang="en-US"/>
           </a:p>
@@ -4200,7 +4200,7 @@
           <a:p>
             <a:fld id="{A5997C19-7F28-4E4C-8326-25A240C491A9}" type="datetimeFigureOut">
               <a:rPr lang="zh-CN" altLang="en-US" smtClean="0"/>
-              <a:t>2018/8/9</a:t>
+              <a:t>2018/8/13</a:t>
             </a:fld>
             <a:endParaRPr lang="zh-CN" altLang="en-US"/>
           </a:p>
@@ -4413,7 +4413,7 @@
           <a:p>
             <a:fld id="{A5997C19-7F28-4E4C-8326-25A240C491A9}" type="datetimeFigureOut">
               <a:rPr lang="zh-CN" altLang="en-US" smtClean="0"/>
-              <a:t>2018/8/9</a:t>
+              <a:t>2018/8/13</a:t>
             </a:fld>
             <a:endParaRPr lang="zh-CN" altLang="en-US"/>
           </a:p>
@@ -7441,7 +7441,7 @@
                   <a:schemeClr val="bg1"/>
                 </a:solidFill>
               </a:rPr>
-              <a:t> AI</a:t>
+              <a:t> </a:t>
             </a:r>
             <a:r>
               <a:rPr lang="zh-CN" altLang="en-US" sz="3600" dirty="0" smtClean="0">
@@ -7449,7 +7449,23 @@
                   <a:schemeClr val="bg1"/>
                 </a:solidFill>
               </a:rPr>
-              <a:t>模型的逃逸</a:t>
+              <a:t>对抗性学习逃逸</a:t>
+            </a:r>
+            <a:r>
+              <a:rPr lang="en-US" altLang="zh-CN" sz="3600" dirty="0" smtClean="0">
+                <a:solidFill>
+                  <a:schemeClr val="bg1"/>
+                </a:solidFill>
+              </a:rPr>
+              <a:t>AI</a:t>
+            </a:r>
+            <a:r>
+              <a:rPr lang="zh-CN" altLang="en-US" sz="3600" dirty="0">
+                <a:solidFill>
+                  <a:schemeClr val="bg1"/>
+                </a:solidFill>
+              </a:rPr>
+              <a:t>模型</a:t>
             </a:r>
             <a:endParaRPr lang="en-US" altLang="zh-CN" sz="3600" dirty="0" smtClean="0">
               <a:solidFill>
@@ -7479,7 +7495,7 @@
                   <a:schemeClr val="bg1"/>
                 </a:solidFill>
               </a:rPr>
-              <a:t>模型的</a:t>
+              <a:t>模型如何</a:t>
             </a:r>
             <a:r>
               <a:rPr lang="zh-CN" altLang="en-US" sz="3600" b="1" dirty="0" smtClean="0">
@@ -7487,7 +7503,15 @@
                   <a:schemeClr val="bg1"/>
                 </a:solidFill>
               </a:rPr>
-              <a:t>抗逃逸</a:t>
+              <a:t>抗</a:t>
+            </a:r>
+            <a:r>
+              <a:rPr lang="zh-CN" altLang="en-US" sz="3600" b="1" dirty="0" smtClean="0">
+                <a:solidFill>
+                  <a:schemeClr val="bg1"/>
+                </a:solidFill>
+              </a:rPr>
+              <a:t>逃逸</a:t>
             </a:r>
             <a:endParaRPr lang="en-US" altLang="zh-CN" sz="3600" b="1" dirty="0" smtClean="0">
               <a:solidFill>
@@ -13023,13 +13047,7 @@
               <a:rPr lang="en-US" altLang="zh-CN" sz="1800" dirty="0" smtClean="0">
                 <a:latin typeface="+mn-lt"/>
               </a:rPr>
-              <a:t>Parser-confusion </a:t>
-            </a:r>
-            <a:r>
-              <a:rPr lang="en-US" altLang="zh-CN" sz="1800" dirty="0" smtClean="0">
-                <a:latin typeface="+mn-lt"/>
-              </a:rPr>
-              <a:t>attacks</a:t>
+              <a:t>Parser-confusion attacks</a:t>
             </a:r>
             <a:endParaRPr lang="zh-CN" altLang="en-US" sz="1800" dirty="0">
               <a:latin typeface="+mn-lt"/>
@@ -13186,11 +13204,7 @@
             </a:r>
             <a:r>
               <a:rPr lang="en-US" altLang="zh-CN" sz="1600" dirty="0" smtClean="0"/>
-              <a:t>Model </a:t>
-            </a:r>
-            <a:r>
-              <a:rPr lang="en-US" altLang="zh-CN" sz="1600" dirty="0" smtClean="0"/>
-              <a:t>evasion attacks,</a:t>
+              <a:t>Model evasion attacks,</a:t>
             </a:r>
           </a:p>
           <a:p>
